--- a/Lecture Slides/Lab03-Arduino-Wireless.pptx
+++ b/Lecture Slides/Lab03-Arduino-Wireless.pptx
@@ -5,13 +5,15 @@
     <p:sldMasterId id="2147483648" r:id="rId1"/>
   </p:sldMasterIdLst>
   <p:notesMasterIdLst>
-    <p:notesMasterId r:id="rId6"/>
+    <p:notesMasterId r:id="rId8"/>
   </p:notesMasterIdLst>
   <p:sldIdLst>
     <p:sldId id="325" r:id="rId2"/>
     <p:sldId id="326" r:id="rId3"/>
-    <p:sldId id="327" r:id="rId4"/>
-    <p:sldId id="328" r:id="rId5"/>
+    <p:sldId id="329" r:id="rId4"/>
+    <p:sldId id="327" r:id="rId5"/>
+    <p:sldId id="330" r:id="rId6"/>
+    <p:sldId id="328" r:id="rId7"/>
   </p:sldIdLst>
   <p:sldSz cx="9144000" cy="6858000" type="screen4x3"/>
   <p:notesSz cx="6858000" cy="9144000"/>
@@ -195,7 +197,7 @@
           <a:p>
             <a:fld id="{89E33D02-0515-C240-AD5D-B1455880CD25}" type="datetimeFigureOut">
               <a:rPr lang="en-US" smtClean="0"/>
-              <a:t>4/2/17</a:t>
+              <a:t>4/11/17</a:t>
             </a:fld>
             <a:endParaRPr lang="en-US"/>
           </a:p>
@@ -644,7 +646,7 @@
           <a:p>
             <a:fld id="{699DDB8F-3412-2E4B-B9B3-D16672836AF1}" type="datetimeFigureOut">
               <a:rPr lang="en-US" smtClean="0"/>
-              <a:t>4/2/17</a:t>
+              <a:t>4/11/17</a:t>
             </a:fld>
             <a:endParaRPr lang="en-US"/>
           </a:p>
@@ -814,7 +816,7 @@
           <a:p>
             <a:fld id="{699DDB8F-3412-2E4B-B9B3-D16672836AF1}" type="datetimeFigureOut">
               <a:rPr lang="en-US" smtClean="0"/>
-              <a:t>4/2/17</a:t>
+              <a:t>4/11/17</a:t>
             </a:fld>
             <a:endParaRPr lang="en-US"/>
           </a:p>
@@ -994,7 +996,7 @@
           <a:p>
             <a:fld id="{699DDB8F-3412-2E4B-B9B3-D16672836AF1}" type="datetimeFigureOut">
               <a:rPr lang="en-US" smtClean="0"/>
-              <a:t>4/2/17</a:t>
+              <a:t>4/11/17</a:t>
             </a:fld>
             <a:endParaRPr lang="en-US"/>
           </a:p>
@@ -1164,7 +1166,7 @@
           <a:p>
             <a:fld id="{699DDB8F-3412-2E4B-B9B3-D16672836AF1}" type="datetimeFigureOut">
               <a:rPr lang="en-US" smtClean="0"/>
-              <a:t>4/2/17</a:t>
+              <a:t>4/11/17</a:t>
             </a:fld>
             <a:endParaRPr lang="en-US"/>
           </a:p>
@@ -1410,7 +1412,7 @@
           <a:p>
             <a:fld id="{699DDB8F-3412-2E4B-B9B3-D16672836AF1}" type="datetimeFigureOut">
               <a:rPr lang="en-US" smtClean="0"/>
-              <a:t>4/2/17</a:t>
+              <a:t>4/11/17</a:t>
             </a:fld>
             <a:endParaRPr lang="en-US"/>
           </a:p>
@@ -1698,7 +1700,7 @@
           <a:p>
             <a:fld id="{699DDB8F-3412-2E4B-B9B3-D16672836AF1}" type="datetimeFigureOut">
               <a:rPr lang="en-US" smtClean="0"/>
-              <a:t>4/2/17</a:t>
+              <a:t>4/11/17</a:t>
             </a:fld>
             <a:endParaRPr lang="en-US"/>
           </a:p>
@@ -2120,7 +2122,7 @@
           <a:p>
             <a:fld id="{699DDB8F-3412-2E4B-B9B3-D16672836AF1}" type="datetimeFigureOut">
               <a:rPr lang="en-US" smtClean="0"/>
-              <a:t>4/2/17</a:t>
+              <a:t>4/11/17</a:t>
             </a:fld>
             <a:endParaRPr lang="en-US"/>
           </a:p>
@@ -2238,7 +2240,7 @@
           <a:p>
             <a:fld id="{699DDB8F-3412-2E4B-B9B3-D16672836AF1}" type="datetimeFigureOut">
               <a:rPr lang="en-US" smtClean="0"/>
-              <a:t>4/2/17</a:t>
+              <a:t>4/11/17</a:t>
             </a:fld>
             <a:endParaRPr lang="en-US"/>
           </a:p>
@@ -2333,7 +2335,7 @@
           <a:p>
             <a:fld id="{699DDB8F-3412-2E4B-B9B3-D16672836AF1}" type="datetimeFigureOut">
               <a:rPr lang="en-US" smtClean="0"/>
-              <a:t>4/2/17</a:t>
+              <a:t>4/11/17</a:t>
             </a:fld>
             <a:endParaRPr lang="en-US"/>
           </a:p>
@@ -2610,7 +2612,7 @@
           <a:p>
             <a:fld id="{699DDB8F-3412-2E4B-B9B3-D16672836AF1}" type="datetimeFigureOut">
               <a:rPr lang="en-US" smtClean="0"/>
-              <a:t>4/2/17</a:t>
+              <a:t>4/11/17</a:t>
             </a:fld>
             <a:endParaRPr lang="en-US"/>
           </a:p>
@@ -2863,7 +2865,7 @@
           <a:p>
             <a:fld id="{699DDB8F-3412-2E4B-B9B3-D16672836AF1}" type="datetimeFigureOut">
               <a:rPr lang="en-US" smtClean="0"/>
-              <a:t>4/2/17</a:t>
+              <a:t>4/11/17</a:t>
             </a:fld>
             <a:endParaRPr lang="en-US"/>
           </a:p>
@@ -3076,7 +3078,7 @@
           <a:p>
             <a:fld id="{699DDB8F-3412-2E4B-B9B3-D16672836AF1}" type="datetimeFigureOut">
               <a:rPr lang="en-US" smtClean="0"/>
-              <a:t>4/2/17</a:t>
+              <a:t>4/11/17</a:t>
             </a:fld>
             <a:endParaRPr lang="en-US"/>
           </a:p>
@@ -3749,6 +3751,91 @@
           <a:p>
             <a:r>
               <a:rPr lang="en-US" dirty="0" smtClean="0"/>
+              <a:t>The Remote</a:t>
+            </a:r>
+            <a:endParaRPr lang="en-US" dirty="0"/>
+          </a:p>
+        </p:txBody>
+      </p:sp>
+      <p:pic>
+        <p:nvPicPr>
+          <p:cNvPr id="8" name="Content Placeholder 7" descr="Untitled 3.png"/>
+          <p:cNvPicPr>
+            <a:picLocks noGrp="1" noChangeAspect="1"/>
+          </p:cNvPicPr>
+          <p:nvPr>
+            <p:ph idx="1"/>
+          </p:nvPr>
+        </p:nvPicPr>
+        <p:blipFill>
+          <a:blip r:embed="rId2">
+            <a:extLst>
+              <a:ext uri="{28A0092B-C50C-407E-A947-70E740481C1C}">
+                <a14:useLocalDpi xmlns:a14="http://schemas.microsoft.com/office/drawing/2010/main" val="0"/>
+              </a:ext>
+            </a:extLst>
+          </a:blip>
+          <a:srcRect t="-7461" b="-7461"/>
+          <a:stretch>
+            <a:fillRect/>
+          </a:stretch>
+        </p:blipFill>
+        <p:spPr/>
+      </p:pic>
+    </p:spTree>
+    <p:extLst>
+      <p:ext uri="{BB962C8B-B14F-4D97-AF65-F5344CB8AC3E}">
+        <p14:creationId xmlns:p14="http://schemas.microsoft.com/office/powerpoint/2010/main" val="1178713921"/>
+      </p:ext>
+    </p:extLst>
+  </p:cSld>
+  <p:clrMapOvr>
+    <a:masterClrMapping/>
+  </p:clrMapOvr>
+  <p:timing>
+    <p:tnLst>
+      <p:par>
+        <p:cTn xmlns:p14="http://schemas.microsoft.com/office/powerpoint/2010/main" id="1" dur="indefinite" restart="never" nodeType="tmRoot"/>
+      </p:par>
+    </p:tnLst>
+  </p:timing>
+</p:sld>
+</file>
+
+<file path=ppt/slides/slide4.xml><?xml version="1.0" encoding="utf-8"?>
+<p:sld xmlns:a="http://schemas.openxmlformats.org/drawingml/2006/main" xmlns:r="http://schemas.openxmlformats.org/officeDocument/2006/relationships" xmlns:p="http://schemas.openxmlformats.org/presentationml/2006/main">
+  <p:cSld>
+    <p:spTree>
+      <p:nvGrpSpPr>
+        <p:cNvPr id="1" name=""/>
+        <p:cNvGrpSpPr/>
+        <p:nvPr/>
+      </p:nvGrpSpPr>
+      <p:grpSpPr>
+        <a:xfrm>
+          <a:off x="0" y="0"/>
+          <a:ext cx="0" cy="0"/>
+          <a:chOff x="0" y="0"/>
+          <a:chExt cx="0" cy="0"/>
+        </a:xfrm>
+      </p:grpSpPr>
+      <p:sp>
+        <p:nvSpPr>
+          <p:cNvPr id="2" name="Title 1"/>
+          <p:cNvSpPr>
+            <a:spLocks noGrp="1"/>
+          </p:cNvSpPr>
+          <p:nvPr>
+            <p:ph type="title"/>
+          </p:nvPr>
+        </p:nvSpPr>
+        <p:spPr/>
+        <p:txBody>
+          <a:bodyPr/>
+          <a:lstStyle/>
+          <a:p>
+            <a:r>
+              <a:rPr lang="en-US" dirty="0" smtClean="0"/>
               <a:t>The </a:t>
             </a:r>
             <a:r>
@@ -3899,7 +3986,82 @@
 </p:sld>
 </file>
 
-<file path=ppt/slides/slide4.xml><?xml version="1.0" encoding="utf-8"?>
+<file path=ppt/slides/slide5.xml><?xml version="1.0" encoding="utf-8"?>
+<p:sld xmlns:a="http://schemas.openxmlformats.org/drawingml/2006/main" xmlns:r="http://schemas.openxmlformats.org/officeDocument/2006/relationships" xmlns:p="http://schemas.openxmlformats.org/presentationml/2006/main">
+  <p:cSld>
+    <p:spTree>
+      <p:nvGrpSpPr>
+        <p:cNvPr id="1" name=""/>
+        <p:cNvGrpSpPr/>
+        <p:nvPr/>
+      </p:nvGrpSpPr>
+      <p:grpSpPr>
+        <a:xfrm>
+          <a:off x="0" y="0"/>
+          <a:ext cx="0" cy="0"/>
+          <a:chOff x="0" y="0"/>
+          <a:chExt cx="0" cy="0"/>
+        </a:xfrm>
+      </p:grpSpPr>
+      <p:sp>
+        <p:nvSpPr>
+          <p:cNvPr id="2" name="Title 1"/>
+          <p:cNvSpPr>
+            <a:spLocks noGrp="1"/>
+          </p:cNvSpPr>
+          <p:nvPr>
+            <p:ph type="title"/>
+          </p:nvPr>
+        </p:nvSpPr>
+        <p:spPr/>
+        <p:txBody>
+          <a:bodyPr/>
+          <a:lstStyle/>
+          <a:p>
+            <a:endParaRPr lang="en-US"/>
+          </a:p>
+        </p:txBody>
+      </p:sp>
+      <p:sp>
+        <p:nvSpPr>
+          <p:cNvPr id="3" name="Content Placeholder 2"/>
+          <p:cNvSpPr>
+            <a:spLocks noGrp="1"/>
+          </p:cNvSpPr>
+          <p:nvPr>
+            <p:ph idx="1"/>
+          </p:nvPr>
+        </p:nvSpPr>
+        <p:spPr/>
+        <p:txBody>
+          <a:bodyPr/>
+          <a:lstStyle/>
+          <a:p>
+            <a:endParaRPr lang="en-US"/>
+          </a:p>
+        </p:txBody>
+      </p:sp>
+    </p:spTree>
+    <p:extLst>
+      <p:ext uri="{BB962C8B-B14F-4D97-AF65-F5344CB8AC3E}">
+        <p14:creationId xmlns:p14="http://schemas.microsoft.com/office/powerpoint/2010/main" val="65828221"/>
+      </p:ext>
+    </p:extLst>
+  </p:cSld>
+  <p:clrMapOvr>
+    <a:masterClrMapping/>
+  </p:clrMapOvr>
+  <p:timing>
+    <p:tnLst>
+      <p:par>
+        <p:cTn xmlns:p14="http://schemas.microsoft.com/office/powerpoint/2010/main" id="1" dur="indefinite" restart="never" nodeType="tmRoot"/>
+      </p:par>
+    </p:tnLst>
+  </p:timing>
+</p:sld>
+</file>
+
+<file path=ppt/slides/slide6.xml><?xml version="1.0" encoding="utf-8"?>
 <p:sld xmlns:a="http://schemas.openxmlformats.org/drawingml/2006/main" xmlns:r="http://schemas.openxmlformats.org/officeDocument/2006/relationships" xmlns:p="http://schemas.openxmlformats.org/presentationml/2006/main">
   <p:cSld>
     <p:spTree>
